--- a/doc/Presentatie/SprintReview3.pptx
+++ b/doc/Presentatie/SprintReview3.pptx
@@ -523,7 +523,7 @@
           <a:p>
             <a:fld id="{E7FE972C-C17D-454A-91D3-3C6FF46884AA}" type="datetimeFigureOut">
               <a:rPr lang="nl-BE" smtClean="0"/>
-              <a:t>27/11/2018</a:t>
+              <a:t>28/11/2018</a:t>
             </a:fld>
             <a:endParaRPr lang="nl-BE"/>
           </a:p>
@@ -702,7 +702,7 @@
           <a:p>
             <a:fld id="{E7FE972C-C17D-454A-91D3-3C6FF46884AA}" type="datetimeFigureOut">
               <a:rPr lang="nl-BE" smtClean="0"/>
-              <a:t>27/11/2018</a:t>
+              <a:t>28/11/2018</a:t>
             </a:fld>
             <a:endParaRPr lang="nl-BE"/>
           </a:p>
@@ -882,7 +882,7 @@
           <a:p>
             <a:fld id="{E7FE972C-C17D-454A-91D3-3C6FF46884AA}" type="datetimeFigureOut">
               <a:rPr lang="nl-BE" smtClean="0"/>
-              <a:t>27/11/2018</a:t>
+              <a:t>28/11/2018</a:t>
             </a:fld>
             <a:endParaRPr lang="nl-BE"/>
           </a:p>
@@ -1052,7 +1052,7 @@
           <a:p>
             <a:fld id="{E7FE972C-C17D-454A-91D3-3C6FF46884AA}" type="datetimeFigureOut">
               <a:rPr lang="nl-BE" smtClean="0"/>
-              <a:t>27/11/2018</a:t>
+              <a:t>28/11/2018</a:t>
             </a:fld>
             <a:endParaRPr lang="nl-BE"/>
           </a:p>
@@ -1365,7 +1365,7 @@
           <a:p>
             <a:fld id="{E7FE972C-C17D-454A-91D3-3C6FF46884AA}" type="datetimeFigureOut">
               <a:rPr lang="nl-BE" smtClean="0"/>
-              <a:t>27/11/2018</a:t>
+              <a:t>28/11/2018</a:t>
             </a:fld>
             <a:endParaRPr lang="nl-BE"/>
           </a:p>
@@ -1751,7 +1751,7 @@
           <a:p>
             <a:fld id="{E7FE972C-C17D-454A-91D3-3C6FF46884AA}" type="datetimeFigureOut">
               <a:rPr lang="nl-BE" smtClean="0"/>
-              <a:t>27/11/2018</a:t>
+              <a:t>28/11/2018</a:t>
             </a:fld>
             <a:endParaRPr lang="nl-BE"/>
           </a:p>
@@ -2185,7 +2185,7 @@
           <a:p>
             <a:fld id="{E7FE972C-C17D-454A-91D3-3C6FF46884AA}" type="datetimeFigureOut">
               <a:rPr lang="nl-BE" smtClean="0"/>
-              <a:t>27/11/2018</a:t>
+              <a:t>28/11/2018</a:t>
             </a:fld>
             <a:endParaRPr lang="nl-BE"/>
           </a:p>
@@ -2303,7 +2303,7 @@
           <a:p>
             <a:fld id="{E7FE972C-C17D-454A-91D3-3C6FF46884AA}" type="datetimeFigureOut">
               <a:rPr lang="nl-BE" smtClean="0"/>
-              <a:t>27/11/2018</a:t>
+              <a:t>28/11/2018</a:t>
             </a:fld>
             <a:endParaRPr lang="nl-BE"/>
           </a:p>
@@ -2398,7 +2398,7 @@
           <a:p>
             <a:fld id="{E7FE972C-C17D-454A-91D3-3C6FF46884AA}" type="datetimeFigureOut">
               <a:rPr lang="nl-BE" smtClean="0"/>
-              <a:t>27/11/2018</a:t>
+              <a:t>28/11/2018</a:t>
             </a:fld>
             <a:endParaRPr lang="nl-BE"/>
           </a:p>
@@ -2748,7 +2748,7 @@
           <a:p>
             <a:fld id="{E7FE972C-C17D-454A-91D3-3C6FF46884AA}" type="datetimeFigureOut">
               <a:rPr lang="nl-BE" smtClean="0"/>
-              <a:t>27/11/2018</a:t>
+              <a:t>28/11/2018</a:t>
             </a:fld>
             <a:endParaRPr lang="nl-BE"/>
           </a:p>
@@ -3173,7 +3173,7 @@
           <a:p>
             <a:fld id="{E7FE972C-C17D-454A-91D3-3C6FF46884AA}" type="datetimeFigureOut">
               <a:rPr lang="nl-BE" smtClean="0"/>
-              <a:t>27/11/2018</a:t>
+              <a:t>28/11/2018</a:t>
             </a:fld>
             <a:endParaRPr lang="nl-BE"/>
           </a:p>
@@ -3454,7 +3454,7 @@
           <a:p>
             <a:fld id="{E7FE972C-C17D-454A-91D3-3C6FF46884AA}" type="datetimeFigureOut">
               <a:rPr lang="nl-BE" smtClean="0"/>
-              <a:t>27/11/2018</a:t>
+              <a:t>28/11/2018</a:t>
             </a:fld>
             <a:endParaRPr lang="nl-BE"/>
           </a:p>
@@ -4710,6 +4710,16 @@
                   <a:srgbClr val="00B050"/>
                 </a:solidFill>
               </a:rPr>
+              <a:t>(-) De server moet bereikbaar zijn via een vast web link</a:t>
+            </a:r>
+          </a:p>
+          <a:p>
+            <a:r>
+              <a:rPr lang="nl-NL" dirty="0">
+                <a:solidFill>
+                  <a:srgbClr val="00B050"/>
+                </a:solidFill>
+              </a:rPr>
               <a:t>(3sp) Als speler wil ik graag de opdracht te zien krijgen als ik op de locatie ben.</a:t>
             </a:r>
           </a:p>
@@ -4750,27 +4760,17 @@
                   <a:srgbClr val="00B050"/>
                 </a:solidFill>
               </a:rPr>
-              <a:t>(-) De server moet bereikbaar zijn via een vast web link</a:t>
+              <a:t>(2) Als speler zou ik graag een indicatie krijgen hoe ver ik van de volgende opdracht verwijderd ben.</a:t>
             </a:r>
           </a:p>
           <a:p>
             <a:r>
               <a:rPr lang="nl-NL" dirty="0">
                 <a:solidFill>
-                  <a:srgbClr val="FFC000"/>
+                  <a:srgbClr val="FF0000"/>
                 </a:solidFill>
               </a:rPr>
               <a:t>(5) Als speler wil ik op locatie X een AR ontcijfer puzzel spelen</a:t>
-            </a:r>
-          </a:p>
-          <a:p>
-            <a:r>
-              <a:rPr lang="nl-NL" dirty="0">
-                <a:solidFill>
-                  <a:srgbClr val="00B050"/>
-                </a:solidFill>
-              </a:rPr>
-              <a:t>(2) Als speler zou ik graag een indicatie krijgen hoe ver ik van de volgende opdracht verwijderd ben.</a:t>
             </a:r>
             <a:br>
               <a:rPr lang="nl-NL" dirty="0">

--- a/doc/Presentatie/SprintReview3.pptx
+++ b/doc/Presentatie/SprintReview3.pptx
@@ -4720,7 +4720,7 @@
                   <a:srgbClr val="00B050"/>
                 </a:solidFill>
               </a:rPr>
-              <a:t>(3sp) Als speler wil ik graag de opdracht te zien krijgen als ik op de locatie ben.</a:t>
+              <a:t>(3sp) Als speler zou ik graag op de locatie "de stadsfeestzaal" een quiz spelen</a:t>
             </a:r>
           </a:p>
           <a:p>
@@ -4730,7 +4730,27 @@
                   <a:srgbClr val="00B050"/>
                 </a:solidFill>
               </a:rPr>
-              <a:t>(3sp) Als speler zou ik graag op de locatie "de stadsfeestzaal" een quiz spelen</a:t>
+              <a:t>(5sp) Als speler wil ik mij kunnen registreren in het spel</a:t>
+            </a:r>
+          </a:p>
+          <a:p>
+            <a:r>
+              <a:rPr lang="nl-NL" dirty="0">
+                <a:solidFill>
+                  <a:srgbClr val="00B050"/>
+                </a:solidFill>
+              </a:rPr>
+              <a:t>(3sp) Als speler wil ik graag de opdracht te zien krijgen als ik op de locatie ben.</a:t>
+            </a:r>
+          </a:p>
+          <a:p>
+            <a:r>
+              <a:rPr lang="nl-NL" dirty="0">
+                <a:solidFill>
+                  <a:srgbClr val="00B050"/>
+                </a:solidFill>
+              </a:rPr>
+              <a:t>(2) Als speler zou ik graag een indicatie krijgen hoe ver ik van de volgende opdracht verwijderd ben.</a:t>
             </a:r>
           </a:p>
           <a:p>
@@ -4741,26 +4761,6 @@
                 </a:solidFill>
               </a:rPr>
               <a:t>(3sp) Als speler wil ik een sessie kunnen aanmaken.</a:t>
-            </a:r>
-          </a:p>
-          <a:p>
-            <a:r>
-              <a:rPr lang="nl-NL" dirty="0">
-                <a:solidFill>
-                  <a:srgbClr val="00B050"/>
-                </a:solidFill>
-              </a:rPr>
-              <a:t>(5sp) Als speler wil ik mij kunnen registreren in het spel</a:t>
-            </a:r>
-          </a:p>
-          <a:p>
-            <a:r>
-              <a:rPr lang="nl-NL" dirty="0">
-                <a:solidFill>
-                  <a:srgbClr val="00B050"/>
-                </a:solidFill>
-              </a:rPr>
-              <a:t>(2) Als speler zou ik graag een indicatie krijgen hoe ver ik van de volgende opdracht verwijderd ben.</a:t>
             </a:r>
           </a:p>
           <a:p>
